--- a/Report/1.pptx
+++ b/Report/1.pptx
@@ -553,7 +553,6 @@
     </c:plotArea>
     <c:legend>
       <c:legendPos val="b"/>
-      <c:layout/>
       <c:overlay val="0"/>
       <c:spPr>
         <a:noFill/>
@@ -625,7 +624,6 @@
   </mc:AlternateContent>
   <c:chart>
     <c:title>
-      <c:layout/>
       <c:overlay val="0"/>
       <c:spPr>
         <a:noFill/>
@@ -700,7 +698,6 @@
             <c:dispRSqr val="1"/>
             <c:dispEq val="1"/>
             <c:trendlineLbl>
-              <c:layout/>
               <c:numFmt formatCode="General" sourceLinked="0"/>
               <c:spPr>
                 <a:noFill/>
@@ -2968,10 +2965,9 @@
         <a:lstStyle/>
         <a:p>
           <a:r>
-            <a:rPr lang="en-US" smtClean="0"/>
+            <a:rPr lang="en-US"/>
             <a:t>Về độ chính xác</a:t>
           </a:r>
-          <a:endParaRPr lang="en-US"/>
         </a:p>
       </dgm:t>
     </dgm:pt>
@@ -3005,10 +3001,9 @@
         <a:lstStyle/>
         <a:p>
           <a:r>
-            <a:rPr lang="en-US" smtClean="0"/>
+            <a:rPr lang="en-US"/>
             <a:t>Về đáp ứng </a:t>
           </a:r>
-          <a:endParaRPr lang="en-US"/>
         </a:p>
       </dgm:t>
     </dgm:pt>
@@ -3042,10 +3037,9 @@
         <a:lstStyle/>
         <a:p>
           <a:r>
-            <a:rPr lang="en-US" smtClean="0"/>
+            <a:rPr lang="en-US"/>
             <a:t>Về sự tiện dụng </a:t>
           </a:r>
-          <a:endParaRPr lang="en-US"/>
         </a:p>
       </dgm:t>
     </dgm:pt>
@@ -3080,13 +3074,6 @@
         </dgm:presLayoutVars>
       </dgm:prSet>
       <dgm:spPr/>
-      <dgm:t>
-        <a:bodyPr/>
-        <a:lstStyle/>
-        <a:p>
-          <a:endParaRPr lang="en-US"/>
-        </a:p>
-      </dgm:t>
     </dgm:pt>
     <dgm:pt modelId="{D20F46C9-F370-4260-B7D3-B64C05C002CB}" type="pres">
       <dgm:prSet presAssocID="{8E5BAB0B-A8D2-4E48-9287-9A9CF2A67E6C}" presName="Name1" presStyleCnt="0"/>
@@ -3103,13 +3090,6 @@
     <dgm:pt modelId="{91875276-8B96-475E-AB0A-0C05D7F1AC63}" type="pres">
       <dgm:prSet presAssocID="{8E5BAB0B-A8D2-4E48-9287-9A9CF2A67E6C}" presName="conn" presStyleLbl="parChTrans1D2" presStyleIdx="0" presStyleCnt="1"/>
       <dgm:spPr/>
-      <dgm:t>
-        <a:bodyPr/>
-        <a:lstStyle/>
-        <a:p>
-          <a:endParaRPr lang="en-US"/>
-        </a:p>
-      </dgm:t>
     </dgm:pt>
     <dgm:pt modelId="{6573A82B-A1FC-470B-ADCF-CE380C6D1699}" type="pres">
       <dgm:prSet presAssocID="{8E5BAB0B-A8D2-4E48-9287-9A9CF2A67E6C}" presName="extraNode" presStyleLbl="node1" presStyleIdx="0" presStyleCnt="3"/>
@@ -3126,13 +3106,6 @@
         </dgm:presLayoutVars>
       </dgm:prSet>
       <dgm:spPr/>
-      <dgm:t>
-        <a:bodyPr/>
-        <a:lstStyle/>
-        <a:p>
-          <a:endParaRPr lang="en-US"/>
-        </a:p>
-      </dgm:t>
     </dgm:pt>
     <dgm:pt modelId="{019E748E-8DBD-4294-8AB5-1B454EAF28B3}" type="pres">
       <dgm:prSet presAssocID="{C3C749A4-9489-4959-99C1-34DB4DDFBE3C}" presName="accent_1" presStyleCnt="0"/>
@@ -3149,13 +3122,6 @@
         </dgm:presLayoutVars>
       </dgm:prSet>
       <dgm:spPr/>
-      <dgm:t>
-        <a:bodyPr/>
-        <a:lstStyle/>
-        <a:p>
-          <a:endParaRPr lang="en-US"/>
-        </a:p>
-      </dgm:t>
     </dgm:pt>
     <dgm:pt modelId="{975F9769-8DE4-4F50-AD6F-C289C29C3B98}" type="pres">
       <dgm:prSet presAssocID="{FC25D688-179C-4CCB-9822-E87231523B5F}" presName="accent_2" presStyleCnt="0"/>
@@ -3172,13 +3138,6 @@
         </dgm:presLayoutVars>
       </dgm:prSet>
       <dgm:spPr/>
-      <dgm:t>
-        <a:bodyPr/>
-        <a:lstStyle/>
-        <a:p>
-          <a:endParaRPr lang="en-US"/>
-        </a:p>
-      </dgm:t>
     </dgm:pt>
     <dgm:pt modelId="{953101AF-E0D5-4AD9-AF74-A5A0D070ECE0}" type="pres">
       <dgm:prSet presAssocID="{0253C2DB-F0B5-4476-827D-2A8D03B6E145}" presName="accent_3" presStyleCnt="0"/>
@@ -3190,14 +3149,14 @@
     </dgm:pt>
   </dgm:ptLst>
   <dgm:cxnLst>
+    <dgm:cxn modelId="{0E82665B-1A93-4F42-9155-487CE0C3AB29}" srcId="{8E5BAB0B-A8D2-4E48-9287-9A9CF2A67E6C}" destId="{C3C749A4-9489-4959-99C1-34DB4DDFBE3C}" srcOrd="0" destOrd="0" parTransId="{3FCA0CF1-88AF-4F18-BAAE-63484CB12C52}" sibTransId="{2E5C1E54-BCFC-4594-97C4-4D9D0B1D7A48}"/>
+    <dgm:cxn modelId="{3FCFCB5C-30CE-48BE-89C5-ACEBFA6BB4E1}" type="presOf" srcId="{2E5C1E54-BCFC-4594-97C4-4D9D0B1D7A48}" destId="{91875276-8B96-475E-AB0A-0C05D7F1AC63}" srcOrd="0" destOrd="0" presId="urn:microsoft.com/office/officeart/2008/layout/VerticalCurvedList"/>
+    <dgm:cxn modelId="{483AEA62-0B92-43A0-98C0-A8CAF4F1A6F5}" type="presOf" srcId="{0253C2DB-F0B5-4476-827D-2A8D03B6E145}" destId="{52AF9218-B50F-4094-8361-BF855120A888}" srcOrd="0" destOrd="0" presId="urn:microsoft.com/office/officeart/2008/layout/VerticalCurvedList"/>
+    <dgm:cxn modelId="{F4BAB552-13E2-45A5-95DA-DBE156233E3D}" type="presOf" srcId="{8E5BAB0B-A8D2-4E48-9287-9A9CF2A67E6C}" destId="{D74C812F-8E08-4E92-9A9E-9EA32397A103}" srcOrd="0" destOrd="0" presId="urn:microsoft.com/office/officeart/2008/layout/VerticalCurvedList"/>
     <dgm:cxn modelId="{0C5D1B58-0990-4409-A9FD-F0F482AFE24E}" srcId="{8E5BAB0B-A8D2-4E48-9287-9A9CF2A67E6C}" destId="{0253C2DB-F0B5-4476-827D-2A8D03B6E145}" srcOrd="2" destOrd="0" parTransId="{BA00C020-4817-46C9-80D1-E23772E6FEB8}" sibTransId="{59D707B4-54F3-49D4-B015-50EA23DFC816}"/>
-    <dgm:cxn modelId="{3FCFCB5C-30CE-48BE-89C5-ACEBFA6BB4E1}" type="presOf" srcId="{2E5C1E54-BCFC-4594-97C4-4D9D0B1D7A48}" destId="{91875276-8B96-475E-AB0A-0C05D7F1AC63}" srcOrd="0" destOrd="0" presId="urn:microsoft.com/office/officeart/2008/layout/VerticalCurvedList"/>
     <dgm:cxn modelId="{83B3888F-0C87-4549-91D4-166907914DB0}" type="presOf" srcId="{C3C749A4-9489-4959-99C1-34DB4DDFBE3C}" destId="{91EDC99C-3FA9-42A5-81F2-763E4AC40868}" srcOrd="0" destOrd="0" presId="urn:microsoft.com/office/officeart/2008/layout/VerticalCurvedList"/>
-    <dgm:cxn modelId="{F4BAB552-13E2-45A5-95DA-DBE156233E3D}" type="presOf" srcId="{8E5BAB0B-A8D2-4E48-9287-9A9CF2A67E6C}" destId="{D74C812F-8E08-4E92-9A9E-9EA32397A103}" srcOrd="0" destOrd="0" presId="urn:microsoft.com/office/officeart/2008/layout/VerticalCurvedList"/>
-    <dgm:cxn modelId="{483AEA62-0B92-43A0-98C0-A8CAF4F1A6F5}" type="presOf" srcId="{0253C2DB-F0B5-4476-827D-2A8D03B6E145}" destId="{52AF9218-B50F-4094-8361-BF855120A888}" srcOrd="0" destOrd="0" presId="urn:microsoft.com/office/officeart/2008/layout/VerticalCurvedList"/>
+    <dgm:cxn modelId="{ED56369A-09C1-4253-B4C7-69E55B30D07F}" srcId="{8E5BAB0B-A8D2-4E48-9287-9A9CF2A67E6C}" destId="{FC25D688-179C-4CCB-9822-E87231523B5F}" srcOrd="1" destOrd="0" parTransId="{CD9CE64E-1EC7-46A6-95F2-9425A94C5712}" sibTransId="{F69C31E9-FB69-414E-BA99-8E1F65C82AC8}"/>
     <dgm:cxn modelId="{F0A27CF9-4470-4D1B-854C-B6E24D075B6F}" type="presOf" srcId="{FC25D688-179C-4CCB-9822-E87231523B5F}" destId="{C7578205-CE35-4735-A7A0-3590EA031E6D}" srcOrd="0" destOrd="0" presId="urn:microsoft.com/office/officeart/2008/layout/VerticalCurvedList"/>
-    <dgm:cxn modelId="{0E82665B-1A93-4F42-9155-487CE0C3AB29}" srcId="{8E5BAB0B-A8D2-4E48-9287-9A9CF2A67E6C}" destId="{C3C749A4-9489-4959-99C1-34DB4DDFBE3C}" srcOrd="0" destOrd="0" parTransId="{3FCA0CF1-88AF-4F18-BAAE-63484CB12C52}" sibTransId="{2E5C1E54-BCFC-4594-97C4-4D9D0B1D7A48}"/>
-    <dgm:cxn modelId="{ED56369A-09C1-4253-B4C7-69E55B30D07F}" srcId="{8E5BAB0B-A8D2-4E48-9287-9A9CF2A67E6C}" destId="{FC25D688-179C-4CCB-9822-E87231523B5F}" srcOrd="1" destOrd="0" parTransId="{CD9CE64E-1EC7-46A6-95F2-9425A94C5712}" sibTransId="{F69C31E9-FB69-414E-BA99-8E1F65C82AC8}"/>
     <dgm:cxn modelId="{34D472FB-0325-44BB-94D4-6C2F820BB186}" type="presParOf" srcId="{D74C812F-8E08-4E92-9A9E-9EA32397A103}" destId="{D20F46C9-F370-4260-B7D3-B64C05C002CB}" srcOrd="0" destOrd="0" presId="urn:microsoft.com/office/officeart/2008/layout/VerticalCurvedList"/>
     <dgm:cxn modelId="{3E528153-2F5B-4F17-A612-D15F1762DFBF}" type="presParOf" srcId="{D20F46C9-F370-4260-B7D3-B64C05C002CB}" destId="{2437B063-B90F-4EC2-8E33-C82E7C72D68F}" srcOrd="0" destOrd="0" presId="urn:microsoft.com/office/officeart/2008/layout/VerticalCurvedList"/>
     <dgm:cxn modelId="{8731DAFD-9426-4D67-B4D2-26448FD9093F}" type="presParOf" srcId="{2437B063-B90F-4EC2-8E33-C82E7C72D68F}" destId="{A08FEEA3-F2EB-4001-9C9C-CC54C8A7EF09}" srcOrd="0" destOrd="0" presId="urn:microsoft.com/office/officeart/2008/layout/VerticalCurvedList"/>
@@ -3332,7 +3291,7 @@
         </a:bodyPr>
         <a:lstStyle/>
         <a:p>
-          <a:pPr lvl="0" algn="l" defTabSz="2311400">
+          <a:pPr marL="0" lvl="0" indent="0" algn="l" defTabSz="2311400">
             <a:lnSpc>
               <a:spcPct val="90000"/>
             </a:lnSpc>
@@ -3342,12 +3301,12 @@
             <a:spcAft>
               <a:spcPct val="35000"/>
             </a:spcAft>
+            <a:buNone/>
           </a:pPr>
           <a:r>
-            <a:rPr lang="en-US" sz="5200" kern="1200" smtClean="0"/>
+            <a:rPr lang="en-US" sz="5200" kern="1200"/>
             <a:t>Về độ chính xác</a:t>
           </a:r>
-          <a:endParaRPr lang="en-US" sz="5200" kern="1200"/>
         </a:p>
       </dsp:txBody>
       <dsp:txXfrm>
@@ -3458,7 +3417,7 @@
         </a:bodyPr>
         <a:lstStyle/>
         <a:p>
-          <a:pPr lvl="0" algn="l" defTabSz="2311400">
+          <a:pPr marL="0" lvl="0" indent="0" algn="l" defTabSz="2311400">
             <a:lnSpc>
               <a:spcPct val="90000"/>
             </a:lnSpc>
@@ -3468,12 +3427,12 @@
             <a:spcAft>
               <a:spcPct val="35000"/>
             </a:spcAft>
+            <a:buNone/>
           </a:pPr>
           <a:r>
-            <a:rPr lang="en-US" sz="5200" kern="1200" smtClean="0"/>
+            <a:rPr lang="en-US" sz="5200" kern="1200"/>
             <a:t>Về đáp ứng </a:t>
           </a:r>
-          <a:endParaRPr lang="en-US" sz="5200" kern="1200"/>
         </a:p>
       </dsp:txBody>
       <dsp:txXfrm>
@@ -3584,7 +3543,7 @@
         </a:bodyPr>
         <a:lstStyle/>
         <a:p>
-          <a:pPr lvl="0" algn="l" defTabSz="2311400">
+          <a:pPr marL="0" lvl="0" indent="0" algn="l" defTabSz="2311400">
             <a:lnSpc>
               <a:spcPct val="90000"/>
             </a:lnSpc>
@@ -3594,12 +3553,12 @@
             <a:spcAft>
               <a:spcPct val="35000"/>
             </a:spcAft>
+            <a:buNone/>
           </a:pPr>
           <a:r>
-            <a:rPr lang="en-US" sz="5200" kern="1200" smtClean="0"/>
+            <a:rPr lang="en-US" sz="5200" kern="1200"/>
             <a:t>Về sự tiện dụng </a:t>
           </a:r>
-          <a:endParaRPr lang="en-US" sz="5200" kern="1200"/>
         </a:p>
       </dsp:txBody>
       <dsp:txXfrm>
@@ -6053,7 +6012,7 @@
           <a:p>
             <a:fld id="{24CE221E-83ED-4F6C-BA5F-3F9E6FDB6953}" type="datetimeFigureOut">
               <a:rPr lang="en-US"/>
-              <a:t>8/5/2020</a:t>
+              <a:t>2/27/2021</a:t>
             </a:fld>
             <a:endParaRPr dirty="0"/>
           </a:p>
@@ -6218,7 +6177,7 @@
           <a:p>
             <a:fld id="{97853E5F-CE67-483C-A264-F17AC70E9CA2}" type="datetimeFigureOut">
               <a:rPr lang="en-US"/>
-              <a:t>8/5/2020</a:t>
+              <a:t>2/27/2021</a:t>
             </a:fld>
             <a:endParaRPr dirty="0"/>
           </a:p>
@@ -6538,7 +6497,7 @@
           </a:lstStyle>
           <a:p>
             <a:r>
-              <a:rPr lang="en-US" smtClean="0"/>
+              <a:rPr lang="en-US"/>
               <a:t>Click to edit Master title style</a:t>
             </a:r>
             <a:endParaRPr/>
@@ -6663,7 +6622,7 @@
           </a:lstStyle>
           <a:p>
             <a:r>
-              <a:rPr lang="en-US" smtClean="0"/>
+              <a:rPr lang="en-US"/>
               <a:t>Click to edit Master subtitle style</a:t>
             </a:r>
             <a:endParaRPr/>
@@ -6710,7 +6669,7 @@
           <a:p>
             <a:fld id="{3E0FA9E5-6744-4841-888F-9E7CC0C2B7EC}" type="datetimeFigureOut">
               <a:rPr lang="en-US"/>
-              <a:t>8/5/2020</a:t>
+              <a:t>2/27/2021</a:t>
             </a:fld>
             <a:endParaRPr dirty="0"/>
           </a:p>
@@ -6797,7 +6756,7 @@
           <a:lstStyle/>
           <a:p>
             <a:r>
-              <a:rPr lang="en-US" smtClean="0"/>
+              <a:rPr lang="en-US"/>
               <a:t>Click to edit Master title style</a:t>
             </a:r>
             <a:endParaRPr/>
@@ -6821,35 +6780,35 @@
           <a:p>
             <a:pPr lvl="0"/>
             <a:r>
-              <a:rPr lang="en-US" smtClean="0"/>
+              <a:rPr lang="en-US"/>
               <a:t>Edit Master text styles</a:t>
             </a:r>
           </a:p>
           <a:p>
             <a:pPr lvl="1"/>
             <a:r>
-              <a:rPr lang="en-US" smtClean="0"/>
+              <a:rPr lang="en-US"/>
               <a:t>Second level</a:t>
             </a:r>
           </a:p>
           <a:p>
             <a:pPr lvl="2"/>
             <a:r>
-              <a:rPr lang="en-US" smtClean="0"/>
+              <a:rPr lang="en-US"/>
               <a:t>Third level</a:t>
             </a:r>
           </a:p>
           <a:p>
             <a:pPr lvl="3"/>
             <a:r>
-              <a:rPr lang="en-US" smtClean="0"/>
+              <a:rPr lang="en-US"/>
               <a:t>Fourth level</a:t>
             </a:r>
           </a:p>
           <a:p>
             <a:pPr lvl="4"/>
             <a:r>
-              <a:rPr lang="en-US" smtClean="0"/>
+              <a:rPr lang="en-US"/>
               <a:t>Fifth level</a:t>
             </a:r>
             <a:endParaRPr/>
@@ -6896,7 +6855,7 @@
           <a:p>
             <a:fld id="{3E0FA9E5-6744-4841-888F-9E7CC0C2B7EC}" type="datetimeFigureOut">
               <a:rPr lang="en-US"/>
-              <a:t>8/5/2020</a:t>
+              <a:t>2/27/2021</a:t>
             </a:fld>
             <a:endParaRPr dirty="0"/>
           </a:p>
@@ -6988,7 +6947,7 @@
           <a:lstStyle/>
           <a:p>
             <a:r>
-              <a:rPr lang="en-US" smtClean="0"/>
+              <a:rPr lang="en-US"/>
               <a:t>Click to edit Master title style</a:t>
             </a:r>
             <a:endParaRPr/>
@@ -7017,35 +6976,35 @@
           <a:p>
             <a:pPr lvl="0"/>
             <a:r>
-              <a:rPr lang="en-US" smtClean="0"/>
+              <a:rPr lang="en-US"/>
               <a:t>Edit Master text styles</a:t>
             </a:r>
           </a:p>
           <a:p>
             <a:pPr lvl="1"/>
             <a:r>
-              <a:rPr lang="en-US" smtClean="0"/>
+              <a:rPr lang="en-US"/>
               <a:t>Second level</a:t>
             </a:r>
           </a:p>
           <a:p>
             <a:pPr lvl="2"/>
             <a:r>
-              <a:rPr lang="en-US" smtClean="0"/>
+              <a:rPr lang="en-US"/>
               <a:t>Third level</a:t>
             </a:r>
           </a:p>
           <a:p>
             <a:pPr lvl="3"/>
             <a:r>
-              <a:rPr lang="en-US" smtClean="0"/>
+              <a:rPr lang="en-US"/>
               <a:t>Fourth level</a:t>
             </a:r>
           </a:p>
           <a:p>
             <a:pPr lvl="4"/>
             <a:r>
-              <a:rPr lang="en-US" smtClean="0"/>
+              <a:rPr lang="en-US"/>
               <a:t>Fifth level</a:t>
             </a:r>
             <a:endParaRPr/>
@@ -7092,7 +7051,7 @@
           <a:p>
             <a:fld id="{3E0FA9E5-6744-4841-888F-9E7CC0C2B7EC}" type="datetimeFigureOut">
               <a:rPr lang="en-US"/>
-              <a:t>8/5/2020</a:t>
+              <a:t>2/27/2021</a:t>
             </a:fld>
             <a:endParaRPr dirty="0"/>
           </a:p>
@@ -7179,7 +7138,7 @@
           <a:lstStyle/>
           <a:p>
             <a:r>
-              <a:rPr lang="en-US" smtClean="0"/>
+              <a:rPr lang="en-US"/>
               <a:t>Click to edit Master title style</a:t>
             </a:r>
             <a:endParaRPr/>
@@ -7203,35 +7162,35 @@
           <a:p>
             <a:pPr lvl="0"/>
             <a:r>
-              <a:rPr lang="en-US" smtClean="0"/>
+              <a:rPr lang="en-US"/>
               <a:t>Edit Master text styles</a:t>
             </a:r>
           </a:p>
           <a:p>
             <a:pPr lvl="1"/>
             <a:r>
-              <a:rPr lang="en-US" smtClean="0"/>
+              <a:rPr lang="en-US"/>
               <a:t>Second level</a:t>
             </a:r>
           </a:p>
           <a:p>
             <a:pPr lvl="2"/>
             <a:r>
-              <a:rPr lang="en-US" smtClean="0"/>
+              <a:rPr lang="en-US"/>
               <a:t>Third level</a:t>
             </a:r>
           </a:p>
           <a:p>
             <a:pPr lvl="3"/>
             <a:r>
-              <a:rPr lang="en-US" smtClean="0"/>
+              <a:rPr lang="en-US"/>
               <a:t>Fourth level</a:t>
             </a:r>
           </a:p>
           <a:p>
             <a:pPr lvl="4"/>
             <a:r>
-              <a:rPr lang="en-US" smtClean="0"/>
+              <a:rPr lang="en-US"/>
               <a:t>Fifth level</a:t>
             </a:r>
             <a:endParaRPr/>
@@ -7278,7 +7237,7 @@
           <a:p>
             <a:fld id="{3E0FA9E5-6744-4841-888F-9E7CC0C2B7EC}" type="datetimeFigureOut">
               <a:rPr lang="en-US"/>
-              <a:t>8/5/2020</a:t>
+              <a:t>2/27/2021</a:t>
             </a:fld>
             <a:endParaRPr dirty="0"/>
           </a:p>
@@ -7390,7 +7349,7 @@
           </a:lstStyle>
           <a:p>
             <a:r>
-              <a:rPr lang="en-US" smtClean="0"/>
+              <a:rPr lang="en-US"/>
               <a:t>Click to edit Master title style</a:t>
             </a:r>
             <a:endParaRPr/>
@@ -7516,7 +7475,7 @@
           <a:p>
             <a:pPr lvl="0"/>
             <a:r>
-              <a:rPr lang="en-US" smtClean="0"/>
+              <a:rPr lang="en-US"/>
               <a:t>Edit Master text styles</a:t>
             </a:r>
           </a:p>
@@ -7562,7 +7521,7 @@
           <a:p>
             <a:fld id="{3E0FA9E5-6744-4841-888F-9E7CC0C2B7EC}" type="datetimeFigureOut">
               <a:rPr lang="en-US"/>
-              <a:t>8/5/2020</a:t>
+              <a:t>2/27/2021</a:t>
             </a:fld>
             <a:endParaRPr dirty="0"/>
           </a:p>
@@ -7649,7 +7608,7 @@
           <a:lstStyle/>
           <a:p>
             <a:r>
-              <a:rPr lang="en-US" smtClean="0"/>
+              <a:rPr lang="en-US"/>
               <a:t>Click to edit Master title style</a:t>
             </a:r>
             <a:endParaRPr/>
@@ -7708,35 +7667,35 @@
           <a:p>
             <a:pPr lvl="0"/>
             <a:r>
-              <a:rPr lang="en-US" smtClean="0"/>
+              <a:rPr lang="en-US"/>
               <a:t>Edit Master text styles</a:t>
             </a:r>
           </a:p>
           <a:p>
             <a:pPr lvl="1"/>
             <a:r>
-              <a:rPr lang="en-US" smtClean="0"/>
+              <a:rPr lang="en-US"/>
               <a:t>Second level</a:t>
             </a:r>
           </a:p>
           <a:p>
             <a:pPr lvl="2"/>
             <a:r>
-              <a:rPr lang="en-US" smtClean="0"/>
+              <a:rPr lang="en-US"/>
               <a:t>Third level</a:t>
             </a:r>
           </a:p>
           <a:p>
             <a:pPr lvl="3"/>
             <a:r>
-              <a:rPr lang="en-US" smtClean="0"/>
+              <a:rPr lang="en-US"/>
               <a:t>Fourth level</a:t>
             </a:r>
           </a:p>
           <a:p>
             <a:pPr lvl="4"/>
             <a:r>
-              <a:rPr lang="en-US" smtClean="0"/>
+              <a:rPr lang="en-US"/>
               <a:t>Fifth level</a:t>
             </a:r>
             <a:endParaRPr/>
@@ -7795,35 +7754,35 @@
           <a:p>
             <a:pPr lvl="0"/>
             <a:r>
-              <a:rPr lang="en-US" smtClean="0"/>
+              <a:rPr lang="en-US"/>
               <a:t>Edit Master text styles</a:t>
             </a:r>
           </a:p>
           <a:p>
             <a:pPr lvl="1"/>
             <a:r>
-              <a:rPr lang="en-US" smtClean="0"/>
+              <a:rPr lang="en-US"/>
               <a:t>Second level</a:t>
             </a:r>
           </a:p>
           <a:p>
             <a:pPr lvl="2"/>
             <a:r>
-              <a:rPr lang="en-US" smtClean="0"/>
+              <a:rPr lang="en-US"/>
               <a:t>Third level</a:t>
             </a:r>
           </a:p>
           <a:p>
             <a:pPr lvl="3"/>
             <a:r>
-              <a:rPr lang="en-US" smtClean="0"/>
+              <a:rPr lang="en-US"/>
               <a:t>Fourth level</a:t>
             </a:r>
           </a:p>
           <a:p>
             <a:pPr lvl="4"/>
             <a:r>
-              <a:rPr lang="en-US" smtClean="0"/>
+              <a:rPr lang="en-US"/>
               <a:t>Fifth level</a:t>
             </a:r>
             <a:endParaRPr/>
@@ -7870,7 +7829,7 @@
           <a:p>
             <a:fld id="{3E0FA9E5-6744-4841-888F-9E7CC0C2B7EC}" type="datetimeFigureOut">
               <a:rPr lang="en-US"/>
-              <a:t>8/5/2020</a:t>
+              <a:t>2/27/2021</a:t>
             </a:fld>
             <a:endParaRPr dirty="0"/>
           </a:p>
@@ -7961,7 +7920,7 @@
           </a:lstStyle>
           <a:p>
             <a:r>
-              <a:rPr lang="en-US" smtClean="0"/>
+              <a:rPr lang="en-US"/>
               <a:t>Click to edit Master title style</a:t>
             </a:r>
             <a:endParaRPr/>
@@ -8032,7 +7991,7 @@
           <a:p>
             <a:pPr lvl="0"/>
             <a:r>
-              <a:rPr lang="en-US" smtClean="0"/>
+              <a:rPr lang="en-US"/>
               <a:t>Edit Master text styles</a:t>
             </a:r>
           </a:p>
@@ -8090,35 +8049,35 @@
           <a:p>
             <a:pPr lvl="0"/>
             <a:r>
-              <a:rPr lang="en-US" smtClean="0"/>
+              <a:rPr lang="en-US"/>
               <a:t>Edit Master text styles</a:t>
             </a:r>
           </a:p>
           <a:p>
             <a:pPr lvl="1"/>
             <a:r>
-              <a:rPr lang="en-US" smtClean="0"/>
+              <a:rPr lang="en-US"/>
               <a:t>Second level</a:t>
             </a:r>
           </a:p>
           <a:p>
             <a:pPr lvl="2"/>
             <a:r>
-              <a:rPr lang="en-US" smtClean="0"/>
+              <a:rPr lang="en-US"/>
               <a:t>Third level</a:t>
             </a:r>
           </a:p>
           <a:p>
             <a:pPr lvl="3"/>
             <a:r>
-              <a:rPr lang="en-US" smtClean="0"/>
+              <a:rPr lang="en-US"/>
               <a:t>Fourth level</a:t>
             </a:r>
           </a:p>
           <a:p>
             <a:pPr lvl="4"/>
             <a:r>
-              <a:rPr lang="en-US" smtClean="0"/>
+              <a:rPr lang="en-US"/>
               <a:t>Fifth level</a:t>
             </a:r>
             <a:endParaRPr/>
@@ -8189,7 +8148,7 @@
           <a:p>
             <a:pPr lvl="0"/>
             <a:r>
-              <a:rPr lang="en-US" smtClean="0"/>
+              <a:rPr lang="en-US"/>
               <a:t>Edit Master text styles</a:t>
             </a:r>
           </a:p>
@@ -8247,35 +8206,35 @@
           <a:p>
             <a:pPr lvl="0"/>
             <a:r>
-              <a:rPr lang="en-US" smtClean="0"/>
+              <a:rPr lang="en-US"/>
               <a:t>Edit Master text styles</a:t>
             </a:r>
           </a:p>
           <a:p>
             <a:pPr lvl="1"/>
             <a:r>
-              <a:rPr lang="en-US" smtClean="0"/>
+              <a:rPr lang="en-US"/>
               <a:t>Second level</a:t>
             </a:r>
           </a:p>
           <a:p>
             <a:pPr lvl="2"/>
             <a:r>
-              <a:rPr lang="en-US" smtClean="0"/>
+              <a:rPr lang="en-US"/>
               <a:t>Third level</a:t>
             </a:r>
           </a:p>
           <a:p>
             <a:pPr lvl="3"/>
             <a:r>
-              <a:rPr lang="en-US" smtClean="0"/>
+              <a:rPr lang="en-US"/>
               <a:t>Fourth level</a:t>
             </a:r>
           </a:p>
           <a:p>
             <a:pPr lvl="4"/>
             <a:r>
-              <a:rPr lang="en-US" smtClean="0"/>
+              <a:rPr lang="en-US"/>
               <a:t>Fifth level</a:t>
             </a:r>
             <a:endParaRPr/>
@@ -8322,7 +8281,7 @@
           <a:p>
             <a:fld id="{3E0FA9E5-6744-4841-888F-9E7CC0C2B7EC}" type="datetimeFigureOut">
               <a:rPr lang="en-US"/>
-              <a:t>8/5/2020</a:t>
+              <a:t>2/27/2021</a:t>
             </a:fld>
             <a:endParaRPr dirty="0"/>
           </a:p>
@@ -8409,7 +8368,7 @@
           <a:lstStyle/>
           <a:p>
             <a:r>
-              <a:rPr lang="en-US" smtClean="0"/>
+              <a:rPr lang="en-US"/>
               <a:t>Click to edit Master title style</a:t>
             </a:r>
             <a:endParaRPr/>
@@ -8456,7 +8415,7 @@
           <a:p>
             <a:fld id="{3E0FA9E5-6744-4841-888F-9E7CC0C2B7EC}" type="datetimeFigureOut">
               <a:rPr lang="en-US"/>
-              <a:t>8/5/2020</a:t>
+              <a:t>2/27/2021</a:t>
             </a:fld>
             <a:endParaRPr dirty="0"/>
           </a:p>
@@ -8581,7 +8540,7 @@
           <a:p>
             <a:fld id="{3E0FA9E5-6744-4841-888F-9E7CC0C2B7EC}" type="datetimeFigureOut">
               <a:rPr lang="en-US"/>
-              <a:t>8/5/2020</a:t>
+              <a:t>2/27/2021</a:t>
             </a:fld>
             <a:endParaRPr dirty="0"/>
           </a:p>
@@ -8693,7 +8652,7 @@
           </a:lstStyle>
           <a:p>
             <a:r>
-              <a:rPr lang="en-US" smtClean="0"/>
+              <a:rPr lang="en-US"/>
               <a:t>Click to edit Master title style</a:t>
             </a:r>
             <a:endParaRPr/>
@@ -8752,35 +8711,35 @@
           <a:p>
             <a:pPr lvl="0"/>
             <a:r>
-              <a:rPr lang="en-US" smtClean="0"/>
+              <a:rPr lang="en-US"/>
               <a:t>Edit Master text styles</a:t>
             </a:r>
           </a:p>
           <a:p>
             <a:pPr lvl="1"/>
             <a:r>
-              <a:rPr lang="en-US" smtClean="0"/>
+              <a:rPr lang="en-US"/>
               <a:t>Second level</a:t>
             </a:r>
           </a:p>
           <a:p>
             <a:pPr lvl="2"/>
             <a:r>
-              <a:rPr lang="en-US" smtClean="0"/>
+              <a:rPr lang="en-US"/>
               <a:t>Third level</a:t>
             </a:r>
           </a:p>
           <a:p>
             <a:pPr lvl="3"/>
             <a:r>
-              <a:rPr lang="en-US" smtClean="0"/>
+              <a:rPr lang="en-US"/>
               <a:t>Fourth level</a:t>
             </a:r>
           </a:p>
           <a:p>
             <a:pPr lvl="4"/>
             <a:r>
-              <a:rPr lang="en-US" smtClean="0"/>
+              <a:rPr lang="en-US"/>
               <a:t>Fifth level</a:t>
             </a:r>
             <a:endParaRPr/>
@@ -8861,7 +8820,7 @@
           <a:p>
             <a:pPr lvl="0"/>
             <a:r>
-              <a:rPr lang="en-US" smtClean="0"/>
+              <a:rPr lang="en-US"/>
               <a:t>Edit Master text styles</a:t>
             </a:r>
           </a:p>
@@ -8907,7 +8866,7 @@
           <a:p>
             <a:fld id="{3E0FA9E5-6744-4841-888F-9E7CC0C2B7EC}" type="datetimeFigureOut">
               <a:rPr lang="en-US"/>
-              <a:t>8/5/2020</a:t>
+              <a:t>2/27/2021</a:t>
             </a:fld>
             <a:endParaRPr dirty="0"/>
           </a:p>
@@ -9019,7 +8978,7 @@
           </a:lstStyle>
           <a:p>
             <a:r>
-              <a:rPr lang="en-US" smtClean="0"/>
+              <a:rPr lang="en-US"/>
               <a:t>Click to edit Master title style</a:t>
             </a:r>
             <a:endParaRPr/>
@@ -9095,7 +9054,7 @@
           </a:lstStyle>
           <a:p>
             <a:r>
-              <a:rPr lang="en-US" smtClean="0"/>
+              <a:rPr lang="en-US"/>
               <a:t>Click icon to add picture</a:t>
             </a:r>
             <a:endParaRPr dirty="0"/>
@@ -9169,7 +9128,7 @@
           <a:p>
             <a:pPr lvl="0"/>
             <a:r>
-              <a:rPr lang="en-US" smtClean="0"/>
+              <a:rPr lang="en-US"/>
               <a:t>Edit Master text styles</a:t>
             </a:r>
           </a:p>
@@ -9257,7 +9216,7 @@
           <a:lstStyle/>
           <a:p>
             <a:r>
-              <a:rPr lang="en-US" smtClean="0"/>
+              <a:rPr lang="en-US"/>
               <a:t>Click to edit Master title style</a:t>
             </a:r>
             <a:endParaRPr/>
@@ -9291,35 +9250,35 @@
           <a:p>
             <a:pPr lvl="0"/>
             <a:r>
-              <a:rPr lang="en-US" smtClean="0"/>
+              <a:rPr lang="en-US"/>
               <a:t>Edit Master text styles</a:t>
             </a:r>
           </a:p>
           <a:p>
             <a:pPr lvl="1"/>
             <a:r>
-              <a:rPr lang="en-US" smtClean="0"/>
+              <a:rPr lang="en-US"/>
               <a:t>Second level</a:t>
             </a:r>
           </a:p>
           <a:p>
             <a:pPr lvl="2"/>
             <a:r>
-              <a:rPr lang="en-US" smtClean="0"/>
+              <a:rPr lang="en-US"/>
               <a:t>Third level</a:t>
             </a:r>
           </a:p>
           <a:p>
             <a:pPr lvl="3"/>
             <a:r>
-              <a:rPr lang="en-US" smtClean="0"/>
+              <a:rPr lang="en-US"/>
               <a:t>Fourth level</a:t>
             </a:r>
           </a:p>
           <a:p>
             <a:pPr lvl="4"/>
             <a:r>
-              <a:rPr lang="en-US" smtClean="0"/>
+              <a:rPr lang="en-US"/>
               <a:t>Fifth level</a:t>
             </a:r>
             <a:endParaRPr dirty="0"/>
@@ -9404,7 +9363,7 @@
             <a:fld id="{3E0FA9E5-6744-4841-888F-9E7CC0C2B7EC}" type="datetimeFigureOut">
               <a:rPr lang="en-US" smtClean="0"/>
               <a:pPr/>
-              <a:t>8/5/2020</a:t>
+              <a:t>2/27/2021</a:t>
             </a:fld>
             <a:endParaRPr lang="en-US" dirty="0"/>
           </a:p>
@@ -9822,7 +9781,7 @@
       </a:lvl9pPr>
     </p:otherStyle>
   </p:txStyles>
-  <p:extLst mod="1">
+  <p:extLst>
     <p:ext uri="{27BBF7A9-308A-43DC-89C8-2F10F3537804}">
       <p15:sldGuideLst xmlns:p15="http://schemas.microsoft.com/office/powerpoint/2012/main">
         <p15:guide id="1" pos="3839" userDrawn="1">
@@ -9879,10 +9838,9 @@
           <a:lstStyle/>
           <a:p>
             <a:r>
-              <a:rPr lang="en-US" smtClean="0"/>
+              <a:rPr lang="en-US"/>
               <a:t>Thiết bị theo dõi và giám sát hệ thống điện</a:t>
             </a:r>
-            <a:endParaRPr lang="en-US"/>
           </a:p>
         </p:txBody>
       </p:sp>
@@ -9909,10 +9867,9 @@
           <a:lstStyle/>
           <a:p>
             <a:r>
-              <a:rPr lang="en-US" sz="3000" smtClean="0"/>
+              <a:rPr lang="en-US" sz="3000"/>
               <a:t>Báo cáo tiến hành thực nghiệm</a:t>
             </a:r>
-            <a:endParaRPr lang="en-US" sz="3000"/>
           </a:p>
         </p:txBody>
       </p:sp>
@@ -9947,17 +9904,6 @@
               </a:tabLst>
             </a:pPr>
             <a:r>
-              <a:rPr lang="en-US" sz="3200" b="1" smtClean="0">
-                <a:solidFill>
-                  <a:srgbClr val="FF0000"/>
-                </a:solidFill>
-                <a:latin typeface="Times New Roman" panose="02020603050405020304" pitchFamily="18" charset="0"/>
-                <a:ea typeface="Calibri" panose="020F0502020204030204" pitchFamily="34" charset="0"/>
-                <a:cs typeface="Times New Roman" panose="02020603050405020304" pitchFamily="18" charset="0"/>
-              </a:rPr>
-              <a:t>GVHD: Th.s Bùi </a:t>
-            </a:r>
-            <a:r>
               <a:rPr lang="en-US" sz="3200" b="1">
                 <a:solidFill>
                   <a:srgbClr val="FF0000"/>
@@ -9966,20 +9912,9 @@
                 <a:ea typeface="Calibri" panose="020F0502020204030204" pitchFamily="34" charset="0"/>
                 <a:cs typeface="Times New Roman" panose="02020603050405020304" pitchFamily="18" charset="0"/>
               </a:rPr>
-              <a:t>Quốc </a:t>
+              <a:t>GVHD: Th.s Bùi Quốc Bảo</a:t>
             </a:r>
-            <a:r>
-              <a:rPr lang="en-US" sz="3200" b="1" smtClean="0">
-                <a:solidFill>
-                  <a:srgbClr val="FF0000"/>
-                </a:solidFill>
-                <a:latin typeface="Times New Roman" panose="02020603050405020304" pitchFamily="18" charset="0"/>
-                <a:ea typeface="Calibri" panose="020F0502020204030204" pitchFamily="34" charset="0"/>
-                <a:cs typeface="Times New Roman" panose="02020603050405020304" pitchFamily="18" charset="0"/>
-              </a:rPr>
-              <a:t>Bảo</a:t>
-            </a:r>
-            <a:endParaRPr lang="en-US" sz="3200" smtClean="0">
+            <a:endParaRPr lang="en-US" sz="3200">
               <a:solidFill>
                 <a:srgbClr val="FF0000"/>
               </a:solidFill>
@@ -9987,94 +9922,6 @@
               <a:ea typeface="Calibri" panose="020F0502020204030204" pitchFamily="34" charset="0"/>
               <a:cs typeface="Times New Roman" panose="02020603050405020304" pitchFamily="18" charset="0"/>
             </a:endParaRPr>
-          </a:p>
-          <a:p>
-            <a:pPr indent="457200">
-              <a:lnSpc>
-                <a:spcPct val="110000"/>
-              </a:lnSpc>
-              <a:tabLst>
-                <a:tab pos="2700655" algn="l"/>
-                <a:tab pos="3420745" algn="l"/>
-              </a:tabLst>
-            </a:pPr>
-            <a:r>
-              <a:rPr lang="en-US" sz="3200" b="1" smtClean="0">
-                <a:solidFill>
-                  <a:srgbClr val="FF0000"/>
-                </a:solidFill>
-                <a:latin typeface="Times New Roman" panose="02020603050405020304" pitchFamily="18" charset="0"/>
-                <a:ea typeface="Calibri" panose="020F0502020204030204" pitchFamily="34" charset="0"/>
-                <a:cs typeface="Times New Roman" panose="02020603050405020304" pitchFamily="18" charset="0"/>
-              </a:rPr>
-              <a:t>SVTH</a:t>
-            </a:r>
-            <a:r>
-              <a:rPr lang="en-US" sz="3200" b="1">
-                <a:solidFill>
-                  <a:srgbClr val="FF0000"/>
-                </a:solidFill>
-                <a:latin typeface="Times New Roman" panose="02020603050405020304" pitchFamily="18" charset="0"/>
-                <a:ea typeface="Calibri" panose="020F0502020204030204" pitchFamily="34" charset="0"/>
-                <a:cs typeface="Times New Roman" panose="02020603050405020304" pitchFamily="18" charset="0"/>
-              </a:rPr>
-              <a:t>: </a:t>
-            </a:r>
-            <a:r>
-              <a:rPr lang="en-US" sz="3200" b="1" smtClean="0">
-                <a:solidFill>
-                  <a:srgbClr val="FF0000"/>
-                </a:solidFill>
-                <a:latin typeface="Times New Roman" panose="02020603050405020304" pitchFamily="18" charset="0"/>
-                <a:ea typeface="Calibri" panose="020F0502020204030204" pitchFamily="34" charset="0"/>
-                <a:cs typeface="Times New Roman" panose="02020603050405020304" pitchFamily="18" charset="0"/>
-              </a:rPr>
-              <a:t>Lê </a:t>
-            </a:r>
-            <a:r>
-              <a:rPr lang="en-US" sz="3200" b="1">
-                <a:solidFill>
-                  <a:srgbClr val="FF0000"/>
-                </a:solidFill>
-                <a:latin typeface="Times New Roman" panose="02020603050405020304" pitchFamily="18" charset="0"/>
-                <a:ea typeface="Calibri" panose="020F0502020204030204" pitchFamily="34" charset="0"/>
-                <a:cs typeface="Times New Roman" panose="02020603050405020304" pitchFamily="18" charset="0"/>
-              </a:rPr>
-              <a:t>Quang </a:t>
-            </a:r>
-            <a:r>
-              <a:rPr lang="en-US" sz="3200" b="1" smtClean="0">
-                <a:solidFill>
-                  <a:srgbClr val="FF0000"/>
-                </a:solidFill>
-                <a:latin typeface="Times New Roman" panose="02020603050405020304" pitchFamily="18" charset="0"/>
-                <a:ea typeface="Calibri" panose="020F0502020204030204" pitchFamily="34" charset="0"/>
-                <a:cs typeface="Times New Roman" panose="02020603050405020304" pitchFamily="18" charset="0"/>
-              </a:rPr>
-              <a:t>Huy</a:t>
-            </a:r>
-            <a:r>
-              <a:rPr lang="en-US" sz="3200" b="1">
-                <a:solidFill>
-                  <a:srgbClr val="FF0000"/>
-                </a:solidFill>
-                <a:latin typeface="Times New Roman" panose="02020603050405020304" pitchFamily="18" charset="0"/>
-                <a:ea typeface="Calibri" panose="020F0502020204030204" pitchFamily="34" charset="0"/>
-                <a:cs typeface="Times New Roman" panose="02020603050405020304" pitchFamily="18" charset="0"/>
-              </a:rPr>
-              <a:t> </a:t>
-            </a:r>
-            <a:r>
-              <a:rPr lang="en-US" sz="3200" b="1" smtClean="0">
-                <a:solidFill>
-                  <a:srgbClr val="FF0000"/>
-                </a:solidFill>
-                <a:latin typeface="Times New Roman" panose="02020603050405020304" pitchFamily="18" charset="0"/>
-                <a:ea typeface="Calibri" panose="020F0502020204030204" pitchFamily="34" charset="0"/>
-                <a:cs typeface="Times New Roman" panose="02020603050405020304" pitchFamily="18" charset="0"/>
-              </a:rPr>
-              <a:t> 161126</a:t>
-            </a:r>
           </a:p>
           <a:p>
             <a:pPr indent="457200">
@@ -10095,10 +9942,21 @@
                 <a:ea typeface="Calibri" panose="020F0502020204030204" pitchFamily="34" charset="0"/>
                 <a:cs typeface="Times New Roman" panose="02020603050405020304" pitchFamily="18" charset="0"/>
               </a:rPr>
-              <a:t> </a:t>
+              <a:t>SVTH: Lê Quang Huy  161126</a:t>
             </a:r>
+          </a:p>
+          <a:p>
+            <a:pPr indent="457200">
+              <a:lnSpc>
+                <a:spcPct val="110000"/>
+              </a:lnSpc>
+              <a:tabLst>
+                <a:tab pos="2700655" algn="l"/>
+                <a:tab pos="3420745" algn="l"/>
+              </a:tabLst>
+            </a:pPr>
             <a:r>
-              <a:rPr lang="en-US" sz="3200" b="1" smtClean="0">
+              <a:rPr lang="en-US" sz="3200" b="1">
                 <a:solidFill>
                   <a:srgbClr val="FF0000"/>
                 </a:solidFill>
@@ -10106,7 +9964,7 @@
                 <a:ea typeface="Calibri" panose="020F0502020204030204" pitchFamily="34" charset="0"/>
                 <a:cs typeface="Times New Roman" panose="02020603050405020304" pitchFamily="18" charset="0"/>
               </a:rPr>
-              <a:t>            Trần Hữu Anh Đồng  1652154</a:t>
+              <a:t>             Trần Hữu Anh Đồng  1652154</a:t>
             </a:r>
             <a:endParaRPr lang="en-US" sz="3200">
               <a:solidFill>
@@ -10218,13 +10076,6 @@
       </p:transition>
     </mc:Fallback>
   </mc:AlternateContent>
-  <p:timing>
-    <p:tnLst>
-      <p:par>
-        <p:cTn id="1" dur="indefinite" restart="never" nodeType="tmRoot"/>
-      </p:par>
-    </p:tnLst>
-  </p:timing>
 </p:sld>
 </file>
 
@@ -10329,13 +10180,6 @@
       </p:transition>
     </mc:Fallback>
   </mc:AlternateContent>
-  <p:timing>
-    <p:tnLst>
-      <p:par>
-        <p:cTn id="1" dur="indefinite" restart="never" nodeType="tmRoot"/>
-      </p:par>
-    </p:tnLst>
-  </p:timing>
 </p:sld>
 </file>
 
@@ -10480,13 +10324,6 @@
       </p:transition>
     </mc:Fallback>
   </mc:AlternateContent>
-  <p:timing>
-    <p:tnLst>
-      <p:par>
-        <p:cTn id="1" dur="indefinite" restart="never" nodeType="tmRoot"/>
-      </p:par>
-    </p:tnLst>
-  </p:timing>
 </p:sld>
 </file>
 
@@ -10887,13 +10724,6 @@
       </p:transition>
     </mc:Fallback>
   </mc:AlternateContent>
-  <p:timing>
-    <p:tnLst>
-      <p:par>
-        <p:cTn id="1" dur="indefinite" restart="never" nodeType="tmRoot"/>
-      </p:par>
-    </p:tnLst>
-  </p:timing>
 </p:sld>
 </file>
 
@@ -11078,13 +10908,6 @@
       </p:transition>
     </mc:Fallback>
   </mc:AlternateContent>
-  <p:timing>
-    <p:tnLst>
-      <p:par>
-        <p:cTn id="1" dur="indefinite" restart="never" nodeType="tmRoot"/>
-      </p:par>
-    </p:tnLst>
-  </p:timing>
 </p:sld>
 </file>
 
@@ -11192,13 +11015,6 @@
       </p:transition>
     </mc:Fallback>
   </mc:AlternateContent>
-  <p:timing>
-    <p:tnLst>
-      <p:par>
-        <p:cTn id="1" dur="indefinite" restart="never" nodeType="tmRoot"/>
-      </p:par>
-    </p:tnLst>
-  </p:timing>
 </p:sld>
 </file>
 
@@ -11288,9 +11104,7 @@
         <p:nvGraphicFramePr>
           <p:cNvPr id="9" name="Chart 8"/>
           <p:cNvGraphicFramePr/>
-          <p:nvPr>
-            <p:extLst/>
-          </p:nvPr>
+          <p:nvPr/>
         </p:nvGraphicFramePr>
         <p:xfrm>
           <a:off x="4391603" y="1084827"/>
@@ -11523,13 +11337,6 @@
       </p:transition>
     </mc:Fallback>
   </mc:AlternateContent>
-  <p:timing>
-    <p:tnLst>
-      <p:par>
-        <p:cTn id="1" dur="indefinite" restart="never" nodeType="tmRoot"/>
-      </p:par>
-    </p:tnLst>
-  </p:timing>
 </p:sld>
 </file>
 
@@ -11635,13 +11442,6 @@
       </p:transition>
     </mc:Fallback>
   </mc:AlternateContent>
-  <p:timing>
-    <p:tnLst>
-      <p:par>
-        <p:cTn id="1" dur="indefinite" restart="never" nodeType="tmRoot"/>
-      </p:par>
-    </p:tnLst>
-  </p:timing>
 </p:sld>
 </file>
 
@@ -11699,9 +11499,7 @@
         <p:nvGraphicFramePr>
           <p:cNvPr id="5" name="Chart 4"/>
           <p:cNvGraphicFramePr/>
-          <p:nvPr>
-            <p:extLst/>
-          </p:nvPr>
+          <p:nvPr/>
         </p:nvGraphicFramePr>
         <p:xfrm>
           <a:off x="4606994" y="875878"/>
@@ -11934,13 +11732,6 @@
       </p:transition>
     </mc:Fallback>
   </mc:AlternateContent>
-  <p:timing>
-    <p:tnLst>
-      <p:par>
-        <p:cTn id="1" dur="indefinite" restart="never" nodeType="tmRoot"/>
-      </p:par>
-    </p:tnLst>
-  </p:timing>
 </p:sld>
 </file>
 
@@ -12081,13 +11872,6 @@
       </p:transition>
     </mc:Fallback>
   </mc:AlternateContent>
-  <p:timing>
-    <p:tnLst>
-      <p:par>
-        <p:cTn id="1" dur="indefinite" restart="never" nodeType="tmRoot"/>
-      </p:par>
-    </p:tnLst>
-  </p:timing>
 </p:sld>
 </file>
 
@@ -12262,13 +12046,6 @@
       </p:transition>
     </mc:Fallback>
   </mc:AlternateContent>
-  <p:timing>
-    <p:tnLst>
-      <p:par>
-        <p:cTn id="1" dur="indefinite" restart="never" nodeType="tmRoot"/>
-      </p:par>
-    </p:tnLst>
-  </p:timing>
 </p:sld>
 </file>
 
@@ -12310,18 +12087,13 @@
           <a:lstStyle/>
           <a:p>
             <a:r>
-              <a:rPr lang="en-US" smtClean="0">
+              <a:rPr lang="en-US">
                 <a:latin typeface="Times New Roman" panose="02020603050405020304" pitchFamily="18" charset="0"/>
                 <a:ea typeface="Tahoma" panose="020B0604030504040204" pitchFamily="34" charset="0"/>
                 <a:cs typeface="Times New Roman" panose="02020603050405020304" pitchFamily="18" charset="0"/>
               </a:rPr>
               <a:t>Tổng quan</a:t>
             </a:r>
-            <a:endParaRPr lang="en-US">
-              <a:latin typeface="Times New Roman" panose="02020603050405020304" pitchFamily="18" charset="0"/>
-              <a:ea typeface="Tahoma" panose="020B0604030504040204" pitchFamily="34" charset="0"/>
-              <a:cs typeface="Times New Roman" panose="02020603050405020304" pitchFamily="18" charset="0"/>
-            </a:endParaRPr>
           </a:p>
         </p:txBody>
       </p:sp>
@@ -12409,13 +12181,6 @@
       </p:transition>
     </mc:Fallback>
   </mc:AlternateContent>
-  <p:timing>
-    <p:tnLst>
-      <p:par>
-        <p:cTn id="1" dur="indefinite" restart="never" nodeType="tmRoot"/>
-      </p:par>
-    </p:tnLst>
-  </p:timing>
 </p:sld>
 </file>
 
@@ -12457,16 +12222,12 @@
           <a:lstStyle/>
           <a:p>
             <a:r>
-              <a:rPr lang="en-US" smtClean="0">
+              <a:rPr lang="en-US">
                 <a:latin typeface="Times New Roman" panose="02020603050405020304" pitchFamily="18" charset="0"/>
                 <a:cs typeface="Times New Roman" panose="02020603050405020304" pitchFamily="18" charset="0"/>
               </a:rPr>
               <a:t>Giới thiệu</a:t>
             </a:r>
-            <a:endParaRPr lang="en-US">
-              <a:latin typeface="Times New Roman" panose="02020603050405020304" pitchFamily="18" charset="0"/>
-              <a:cs typeface="Times New Roman" panose="02020603050405020304" pitchFamily="18" charset="0"/>
-            </a:endParaRPr>
           </a:p>
         </p:txBody>
       </p:sp>
@@ -12592,13 +12353,6 @@
       </p:transition>
     </mc:Fallback>
   </mc:AlternateContent>
-  <p:timing>
-    <p:tnLst>
-      <p:par>
-        <p:cTn id="1" dur="indefinite" restart="never" nodeType="tmRoot"/>
-      </p:par>
-    </p:tnLst>
-  </p:timing>
 </p:sld>
 </file>
 
@@ -12759,23 +12513,7 @@
                 <a:ea typeface="Calibri" panose="020F0502020204030204" pitchFamily="34" charset="0"/>
                 <a:cs typeface="Times New Roman" panose="02020603050405020304" pitchFamily="18" charset="0"/>
               </a:rPr>
-              <a:t>Trong chế độ STA, </a:t>
-            </a:r>
-            <a:r>
-              <a:rPr lang="en-US" sz="2399" smtClean="0">
-                <a:latin typeface="Times New Roman" panose="02020603050405020304" pitchFamily="18" charset="0"/>
-                <a:ea typeface="Calibri" panose="020F0502020204030204" pitchFamily="34" charset="0"/>
-                <a:cs typeface="Times New Roman" panose="02020603050405020304" pitchFamily="18" charset="0"/>
-              </a:rPr>
-              <a:t>ESP32 </a:t>
-            </a:r>
-            <a:r>
-              <a:rPr lang="en-US" sz="2399">
-                <a:latin typeface="Times New Roman" panose="02020603050405020304" pitchFamily="18" charset="0"/>
-                <a:ea typeface="Calibri" panose="020F0502020204030204" pitchFamily="34" charset="0"/>
-                <a:cs typeface="Times New Roman" panose="02020603050405020304" pitchFamily="18" charset="0"/>
-              </a:rPr>
-              <a:t>lấy IP từ bộ định tuyến không dây được kết nối. Với địa chỉ IP này, nó có thể thiết lập một máy chủ web và phân phối các trang web cho tất cả các thiết bị được kết nối trong mạng WiFi hiện có .</a:t>
+              <a:t>Trong chế độ STA, ESP32 lấy IP từ bộ định tuyến không dây được kết nối. Với địa chỉ IP này, nó có thể thiết lập một máy chủ web và phân phối các trang web cho tất cả các thiết bị được kết nối trong mạng WiFi hiện có .</a:t>
             </a:r>
           </a:p>
         </p:txBody>
@@ -12802,13 +12540,6 @@
       </p:transition>
     </mc:Fallback>
   </mc:AlternateContent>
-  <p:timing>
-    <p:tnLst>
-      <p:par>
-        <p:cTn id="1" dur="indefinite" restart="never" nodeType="tmRoot"/>
-      </p:par>
-    </p:tnLst>
-  </p:timing>
 </p:sld>
 </file>
 
@@ -12964,13 +12695,6 @@
       </p:transition>
     </mc:Fallback>
   </mc:AlternateContent>
-  <p:timing>
-    <p:tnLst>
-      <p:par>
-        <p:cTn id="1" dur="indefinite" restart="never" nodeType="tmRoot"/>
-      </p:par>
-    </p:tnLst>
-  </p:timing>
 </p:sld>
 </file>
 
@@ -13126,13 +12850,6 @@
       </p:transition>
     </mc:Fallback>
   </mc:AlternateContent>
-  <p:timing>
-    <p:tnLst>
-      <p:par>
-        <p:cTn id="1" dur="indefinite" restart="never" nodeType="tmRoot"/>
-      </p:par>
-    </p:tnLst>
-  </p:timing>
 </p:sld>
 </file>
 
@@ -13320,13 +13037,6 @@
       </p:transition>
     </mc:Fallback>
   </mc:AlternateContent>
-  <p:timing>
-    <p:tnLst>
-      <p:par>
-        <p:cTn id="1" dur="indefinite" restart="never" nodeType="tmRoot"/>
-      </p:par>
-    </p:tnLst>
-  </p:timing>
 </p:sld>
 </file>
 
@@ -13431,13 +13141,6 @@
       </p:transition>
     </mc:Fallback>
   </mc:AlternateContent>
-  <p:timing>
-    <p:tnLst>
-      <p:par>
-        <p:cTn id="1" dur="indefinite" restart="never" nodeType="tmRoot"/>
-      </p:par>
-    </p:tnLst>
-  </p:timing>
 </p:sld>
 </file>
 
@@ -13544,13 +13247,6 @@
       </p:transition>
     </mc:Fallback>
   </mc:AlternateContent>
-  <p:timing>
-    <p:tnLst>
-      <p:par>
-        <p:cTn id="1" dur="indefinite" restart="never" nodeType="tmRoot"/>
-      </p:par>
-    </p:tnLst>
-  </p:timing>
 </p:sld>
 </file>
 
@@ -14328,14 +14024,6 @@
 </file>
 
 <file path=customXml/item1.xml><?xml version="1.0" encoding="utf-8"?>
-<p:properties xmlns:p="http://schemas.microsoft.com/office/2006/metadata/properties" xmlns:xsi="http://www.w3.org/2001/XMLSchema-instance" xmlns:pc="http://schemas.microsoft.com/office/infopath/2007/PartnerControls">
-  <documentManagement>
-    <MediaServiceKeyPoints xmlns="71af3243-3dd4-4a8d-8c0d-dd76da1f02a5" xsi:nil="true"/>
-  </documentManagement>
-</p:properties>
-</file>
-
-<file path=customXml/item2.xml><?xml version="1.0" encoding="utf-8"?>
 <ct:contentTypeSchema xmlns:ct="http://schemas.microsoft.com/office/2006/metadata/contentType" xmlns:ma="http://schemas.microsoft.com/office/2006/metadata/properties/metaAttributes" ct:_="" ma:_="" ma:contentTypeName="Document" ma:contentTypeID="0x01010079F111ED35F8CC479449609E8A0923A6" ma:contentTypeVersion="11" ma:contentTypeDescription="Create a new document." ma:contentTypeScope="" ma:versionID="96291512c1ee715ab617f4c07df79fc1">
   <xsd:schema xmlns:xsd="http://www.w3.org/2001/XMLSchema" xmlns:xs="http://www.w3.org/2001/XMLSchema" xmlns:p="http://schemas.microsoft.com/office/2006/metadata/properties" xmlns:ns2="71af3243-3dd4-4a8d-8c0d-dd76da1f02a5" xmlns:ns3="16c05727-aa75-4e4a-9b5f-8a80a1165891" targetNamespace="http://schemas.microsoft.com/office/2006/metadata/properties" ma:root="true" ma:fieldsID="8256c27c40ca5c40ce1cf6c44f0205df" ns2:_="" ns3:_="">
     <xsd:import namespace="71af3243-3dd4-4a8d-8c0d-dd76da1f02a5"/>
@@ -14546,6 +14234,14 @@
 </ct:contentTypeSchema>
 </file>
 
+<file path=customXml/item2.xml><?xml version="1.0" encoding="utf-8"?>
+<p:properties xmlns:p="http://schemas.microsoft.com/office/2006/metadata/properties" xmlns:xsi="http://www.w3.org/2001/XMLSchema-instance" xmlns:pc="http://schemas.microsoft.com/office/infopath/2007/PartnerControls">
+  <documentManagement>
+    <MediaServiceKeyPoints xmlns="71af3243-3dd4-4a8d-8c0d-dd76da1f02a5" xsi:nil="true"/>
+  </documentManagement>
+</p:properties>
+</file>
+
 <file path=customXml/item3.xml><?xml version="1.0" encoding="utf-8"?>
 <?mso-contentType ?>
 <FormTemplates xmlns="http://schemas.microsoft.com/sharepoint/v3/contenttype/forms">
@@ -14556,23 +14252,6 @@
 </file>
 
 <file path=customXml/itemProps1.xml><?xml version="1.0" encoding="utf-8"?>
-<ds:datastoreItem xmlns:ds="http://schemas.openxmlformats.org/officeDocument/2006/customXml" ds:itemID="{8A32D51B-405E-4F81-B5A9-F253CD7FC481}">
-  <ds:schemaRefs>
-    <ds:schemaRef ds:uri="http://purl.org/dc/elements/1.1/"/>
-    <ds:schemaRef ds:uri="http://schemas.openxmlformats.org/package/2006/metadata/core-properties"/>
-    <ds:schemaRef ds:uri="http://schemas.microsoft.com/office/2006/documentManagement/types"/>
-    <ds:schemaRef ds:uri="http://www.w3.org/XML/1998/namespace"/>
-    <ds:schemaRef ds:uri="16c05727-aa75-4e4a-9b5f-8a80a1165891"/>
-    <ds:schemaRef ds:uri="http://purl.org/dc/dcmitype/"/>
-    <ds:schemaRef ds:uri="http://schemas.microsoft.com/office/2006/metadata/properties"/>
-    <ds:schemaRef ds:uri="http://schemas.microsoft.com/office/infopath/2007/PartnerControls"/>
-    <ds:schemaRef ds:uri="71af3243-3dd4-4a8d-8c0d-dd76da1f02a5"/>
-    <ds:schemaRef ds:uri="http://purl.org/dc/terms/"/>
-  </ds:schemaRefs>
-</ds:datastoreItem>
-</file>
-
-<file path=customXml/itemProps2.xml><?xml version="1.0" encoding="utf-8"?>
 <ds:datastoreItem xmlns:ds="http://schemas.openxmlformats.org/officeDocument/2006/customXml" ds:itemID="{44CEB76F-5C52-4F69-A3C1-2DBEA8CF7465}">
   <ds:schemaRefs>
     <ds:schemaRef ds:uri="http://schemas.microsoft.com/office/2006/metadata/contentType"/>
@@ -14591,6 +14270,23 @@
 </ds:datastoreItem>
 </file>
 
+<file path=customXml/itemProps2.xml><?xml version="1.0" encoding="utf-8"?>
+<ds:datastoreItem xmlns:ds="http://schemas.openxmlformats.org/officeDocument/2006/customXml" ds:itemID="{8A32D51B-405E-4F81-B5A9-F253CD7FC481}">
+  <ds:schemaRefs>
+    <ds:schemaRef ds:uri="http://purl.org/dc/elements/1.1/"/>
+    <ds:schemaRef ds:uri="http://schemas.openxmlformats.org/package/2006/metadata/core-properties"/>
+    <ds:schemaRef ds:uri="http://schemas.microsoft.com/office/2006/documentManagement/types"/>
+    <ds:schemaRef ds:uri="http://www.w3.org/XML/1998/namespace"/>
+    <ds:schemaRef ds:uri="16c05727-aa75-4e4a-9b5f-8a80a1165891"/>
+    <ds:schemaRef ds:uri="http://purl.org/dc/dcmitype/"/>
+    <ds:schemaRef ds:uri="http://schemas.microsoft.com/office/2006/metadata/properties"/>
+    <ds:schemaRef ds:uri="http://schemas.microsoft.com/office/infopath/2007/PartnerControls"/>
+    <ds:schemaRef ds:uri="71af3243-3dd4-4a8d-8c0d-dd76da1f02a5"/>
+    <ds:schemaRef ds:uri="http://purl.org/dc/terms/"/>
+  </ds:schemaRefs>
+</ds:datastoreItem>
+</file>
+
 <file path=customXml/itemProps3.xml><?xml version="1.0" encoding="utf-8"?>
 <ds:datastoreItem xmlns:ds="http://schemas.openxmlformats.org/officeDocument/2006/customXml" ds:itemID="{BE7567CE-A543-444C-8597-EB2278491126}">
   <ds:schemaRefs>
